--- a/DevDay_17112020/DevDay.pptx
+++ b/DevDay_17112020/DevDay.pptx
@@ -5,7 +5,7 @@
     <p:sldMasterId id="2147483648" r:id="rId1"/>
   </p:sldMasterIdLst>
   <p:notesMasterIdLst>
-    <p:notesMasterId r:id="rId18"/>
+    <p:notesMasterId r:id="rId19"/>
   </p:notesMasterIdLst>
   <p:sldIdLst>
     <p:sldId id="256" r:id="rId2"/>
@@ -24,6 +24,7 @@
     <p:sldId id="271" r:id="rId15"/>
     <p:sldId id="267" r:id="rId16"/>
     <p:sldId id="262" r:id="rId17"/>
+    <p:sldId id="272" r:id="rId18"/>
   </p:sldIdLst>
   <p:sldSz cx="12192000" cy="6858000"/>
   <p:notesSz cx="6858000" cy="9144000"/>
@@ -140,6 +141,53 @@
 
 <file path=ppt/changesInfos/changesInfo1.xml><?xml version="1.0" encoding="utf-8"?>
 <pc:chgInfo xmlns:a="http://schemas.openxmlformats.org/drawingml/2006/main" xmlns:r="http://schemas.openxmlformats.org/officeDocument/2006/relationships" xmlns:ac="http://schemas.microsoft.com/office/drawing/2013/main/command" xmlns:pc="http://schemas.microsoft.com/office/powerpoint/2013/main/command">
+  <pc:docChgLst>
+    <pc:chgData name="Florent APPOINTAIRE" userId="80d7a9d67625f8ff" providerId="LiveId" clId="{57A50E4C-0EFD-2F4E-AAD2-63D974BAB254}"/>
+    <pc:docChg chg="custSel mod addSld modSld sldOrd">
+      <pc:chgData name="Florent APPOINTAIRE" userId="80d7a9d67625f8ff" providerId="LiveId" clId="{57A50E4C-0EFD-2F4E-AAD2-63D974BAB254}" dt="2020-11-09T11:01:14.881" v="187" actId="26606"/>
+      <pc:docMkLst>
+        <pc:docMk/>
+      </pc:docMkLst>
+      <pc:sldChg chg="addSp modSp mod ord setBg">
+        <pc:chgData name="Florent APPOINTAIRE" userId="80d7a9d67625f8ff" providerId="LiveId" clId="{57A50E4C-0EFD-2F4E-AAD2-63D974BAB254}" dt="2020-11-09T11:01:14.881" v="187" actId="26606"/>
+        <pc:sldMkLst>
+          <pc:docMk/>
+          <pc:sldMk cId="2127992845" sldId="263"/>
+        </pc:sldMkLst>
+        <pc:spChg chg="mod">
+          <ac:chgData name="Florent APPOINTAIRE" userId="80d7a9d67625f8ff" providerId="LiveId" clId="{57A50E4C-0EFD-2F4E-AAD2-63D974BAB254}" dt="2020-11-09T11:01:14.881" v="187" actId="26606"/>
+          <ac:spMkLst>
+            <pc:docMk/>
+            <pc:sldMk cId="2127992845" sldId="263"/>
+            <ac:spMk id="4" creationId="{B484379E-F631-4B20-8FA9-189D1D09FD11}"/>
+          </ac:spMkLst>
+        </pc:spChg>
+        <pc:spChg chg="mod ord">
+          <ac:chgData name="Florent APPOINTAIRE" userId="80d7a9d67625f8ff" providerId="LiveId" clId="{57A50E4C-0EFD-2F4E-AAD2-63D974BAB254}" dt="2020-11-09T11:01:14.881" v="187" actId="26606"/>
+          <ac:spMkLst>
+            <pc:docMk/>
+            <pc:sldMk cId="2127992845" sldId="263"/>
+            <ac:spMk id="5" creationId="{BC7E79C0-CFD4-4390-ACAD-16A95945C043}"/>
+          </ac:spMkLst>
+        </pc:spChg>
+        <pc:picChg chg="add mod">
+          <ac:chgData name="Florent APPOINTAIRE" userId="80d7a9d67625f8ff" providerId="LiveId" clId="{57A50E4C-0EFD-2F4E-AAD2-63D974BAB254}" dt="2020-11-09T11:01:14.881" v="187" actId="26606"/>
+          <ac:picMkLst>
+            <pc:docMk/>
+            <pc:sldMk cId="2127992845" sldId="263"/>
+            <ac:picMk id="3" creationId="{8CF452BD-E5A2-7747-A683-CDC431B676FE}"/>
+          </ac:picMkLst>
+        </pc:picChg>
+      </pc:sldChg>
+      <pc:sldChg chg="add">
+        <pc:chgData name="Florent APPOINTAIRE" userId="80d7a9d67625f8ff" providerId="LiveId" clId="{57A50E4C-0EFD-2F4E-AAD2-63D974BAB254}" dt="2020-11-09T10:59:36.752" v="0"/>
+        <pc:sldMkLst>
+          <pc:docMk/>
+          <pc:sldMk cId="568536458" sldId="268"/>
+        </pc:sldMkLst>
+      </pc:sldChg>
+    </pc:docChg>
+  </pc:docChgLst>
   <pc:docChgLst>
     <pc:chgData name="Florent APPOINTAIRE" userId="80d7a9d67625f8ff" providerId="LiveId" clId="{A9B597F6-08EE-4AD7-B994-C04CAAEF1AC1}"/>
     <pc:docChg chg="custSel addSld delSld modSld sldOrd">
@@ -405,53 +453,6 @@
       </pc:sldChg>
     </pc:docChg>
   </pc:docChgLst>
-  <pc:docChgLst>
-    <pc:chgData name="Florent APPOINTAIRE" userId="80d7a9d67625f8ff" providerId="LiveId" clId="{57A50E4C-0EFD-2F4E-AAD2-63D974BAB254}"/>
-    <pc:docChg chg="custSel mod addSld modSld sldOrd">
-      <pc:chgData name="Florent APPOINTAIRE" userId="80d7a9d67625f8ff" providerId="LiveId" clId="{57A50E4C-0EFD-2F4E-AAD2-63D974BAB254}" dt="2020-11-09T11:01:14.881" v="187" actId="26606"/>
-      <pc:docMkLst>
-        <pc:docMk/>
-      </pc:docMkLst>
-      <pc:sldChg chg="addSp modSp mod ord setBg">
-        <pc:chgData name="Florent APPOINTAIRE" userId="80d7a9d67625f8ff" providerId="LiveId" clId="{57A50E4C-0EFD-2F4E-AAD2-63D974BAB254}" dt="2020-11-09T11:01:14.881" v="187" actId="26606"/>
-        <pc:sldMkLst>
-          <pc:docMk/>
-          <pc:sldMk cId="2127992845" sldId="263"/>
-        </pc:sldMkLst>
-        <pc:spChg chg="mod">
-          <ac:chgData name="Florent APPOINTAIRE" userId="80d7a9d67625f8ff" providerId="LiveId" clId="{57A50E4C-0EFD-2F4E-AAD2-63D974BAB254}" dt="2020-11-09T11:01:14.881" v="187" actId="26606"/>
-          <ac:spMkLst>
-            <pc:docMk/>
-            <pc:sldMk cId="2127992845" sldId="263"/>
-            <ac:spMk id="4" creationId="{B484379E-F631-4B20-8FA9-189D1D09FD11}"/>
-          </ac:spMkLst>
-        </pc:spChg>
-        <pc:spChg chg="mod ord">
-          <ac:chgData name="Florent APPOINTAIRE" userId="80d7a9d67625f8ff" providerId="LiveId" clId="{57A50E4C-0EFD-2F4E-AAD2-63D974BAB254}" dt="2020-11-09T11:01:14.881" v="187" actId="26606"/>
-          <ac:spMkLst>
-            <pc:docMk/>
-            <pc:sldMk cId="2127992845" sldId="263"/>
-            <ac:spMk id="5" creationId="{BC7E79C0-CFD4-4390-ACAD-16A95945C043}"/>
-          </ac:spMkLst>
-        </pc:spChg>
-        <pc:picChg chg="add mod">
-          <ac:chgData name="Florent APPOINTAIRE" userId="80d7a9d67625f8ff" providerId="LiveId" clId="{57A50E4C-0EFD-2F4E-AAD2-63D974BAB254}" dt="2020-11-09T11:01:14.881" v="187" actId="26606"/>
-          <ac:picMkLst>
-            <pc:docMk/>
-            <pc:sldMk cId="2127992845" sldId="263"/>
-            <ac:picMk id="3" creationId="{8CF452BD-E5A2-7747-A683-CDC431B676FE}"/>
-          </ac:picMkLst>
-        </pc:picChg>
-      </pc:sldChg>
-      <pc:sldChg chg="add">
-        <pc:chgData name="Florent APPOINTAIRE" userId="80d7a9d67625f8ff" providerId="LiveId" clId="{57A50E4C-0EFD-2F4E-AAD2-63D974BAB254}" dt="2020-11-09T10:59:36.752" v="0"/>
-        <pc:sldMkLst>
-          <pc:docMk/>
-          <pc:sldMk cId="568536458" sldId="268"/>
-        </pc:sldMkLst>
-      </pc:sldChg>
-    </pc:docChg>
-  </pc:docChgLst>
 </pc:chgInfo>
 </file>
 
@@ -537,7 +538,7 @@
           <a:p>
             <a:fld id="{F90F82A8-4AC2-413E-B464-376654FEF494}" type="datetimeFigureOut">
               <a:rPr lang="en-BE" smtClean="0"/>
-              <a:t>10/11/2020</a:t>
+              <a:t>16/11/2020</a:t>
             </a:fld>
             <a:endParaRPr lang="en-BE"/>
           </a:p>
@@ -849,18 +850,91 @@
           <a:bodyPr/>
           <a:lstStyle/>
           <a:p>
-            <a:r>
-              <a:rPr lang="en-BE" dirty="0"/>
-              <a:t>Reboot </a:t>
-            </a:r>
-            <a:r>
-              <a:rPr lang="en-BE" dirty="0" err="1"/>
-              <a:t>automatique</a:t>
-            </a:r>
-            <a:r>
-              <a:rPr lang="en-BE" dirty="0"/>
-              <a:t> des nodes</a:t>
-            </a:r>
+            <a:endParaRPr lang="en-BE" dirty="0"/>
+          </a:p>
+        </p:txBody>
+      </p:sp>
+      <p:sp>
+        <p:nvSpPr>
+          <p:cNvPr id="4" name="Slide Number Placeholder 3"/>
+          <p:cNvSpPr>
+            <a:spLocks noGrp="1"/>
+          </p:cNvSpPr>
+          <p:nvPr>
+            <p:ph type="sldNum" sz="quarter" idx="5"/>
+          </p:nvPr>
+        </p:nvSpPr>
+        <p:spPr/>
+        <p:txBody>
+          <a:bodyPr/>
+          <a:lstStyle/>
+          <a:p>
+            <a:fld id="{6002F6D3-5FFE-44E4-BE5E-A533302D1960}" type="slidenum">
+              <a:rPr lang="en-BE" smtClean="0"/>
+              <a:t>5</a:t>
+            </a:fld>
+            <a:endParaRPr lang="en-BE"/>
+          </a:p>
+        </p:txBody>
+      </p:sp>
+    </p:spTree>
+    <p:extLst>
+      <p:ext uri="{BB962C8B-B14F-4D97-AF65-F5344CB8AC3E}">
+        <p14:creationId xmlns:p14="http://schemas.microsoft.com/office/powerpoint/2010/main" val="3775830462"/>
+      </p:ext>
+    </p:extLst>
+  </p:cSld>
+  <p:clrMapOvr>
+    <a:masterClrMapping/>
+  </p:clrMapOvr>
+</p:notes>
+</file>
+
+<file path=ppt/notesSlides/notesSlide2.xml><?xml version="1.0" encoding="utf-8"?>
+<p:notes xmlns:a="http://schemas.openxmlformats.org/drawingml/2006/main" xmlns:r="http://schemas.openxmlformats.org/officeDocument/2006/relationships" xmlns:p="http://schemas.openxmlformats.org/presentationml/2006/main">
+  <p:cSld>
+    <p:spTree>
+      <p:nvGrpSpPr>
+        <p:cNvPr id="1" name=""/>
+        <p:cNvGrpSpPr/>
+        <p:nvPr/>
+      </p:nvGrpSpPr>
+      <p:grpSpPr>
+        <a:xfrm>
+          <a:off x="0" y="0"/>
+          <a:ext cx="0" cy="0"/>
+          <a:chOff x="0" y="0"/>
+          <a:chExt cx="0" cy="0"/>
+        </a:xfrm>
+      </p:grpSpPr>
+      <p:sp>
+        <p:nvSpPr>
+          <p:cNvPr id="2" name="Slide Image Placeholder 1"/>
+          <p:cNvSpPr>
+            <a:spLocks noGrp="1" noRot="1" noChangeAspect="1"/>
+          </p:cNvSpPr>
+          <p:nvPr>
+            <p:ph type="sldImg"/>
+          </p:nvPr>
+        </p:nvSpPr>
+        <p:spPr/>
+      </p:sp>
+      <p:sp>
+        <p:nvSpPr>
+          <p:cNvPr id="3" name="Notes Placeholder 2"/>
+          <p:cNvSpPr>
+            <a:spLocks noGrp="1"/>
+          </p:cNvSpPr>
+          <p:nvPr>
+            <p:ph type="body" idx="1"/>
+          </p:nvPr>
+        </p:nvSpPr>
+        <p:spPr/>
+        <p:txBody>
+          <a:bodyPr/>
+          <a:lstStyle/>
+          <a:p>
+            <a:endParaRPr lang="en-BE" dirty="0"/>
           </a:p>
         </p:txBody>
       </p:sp>
@@ -891,6 +965,90 @@
     <p:extLst>
       <p:ext uri="{BB962C8B-B14F-4D97-AF65-F5344CB8AC3E}">
         <p14:creationId xmlns:p14="http://schemas.microsoft.com/office/powerpoint/2010/main" val="4213220901"/>
+      </p:ext>
+    </p:extLst>
+  </p:cSld>
+  <p:clrMapOvr>
+    <a:masterClrMapping/>
+  </p:clrMapOvr>
+</p:notes>
+</file>
+
+<file path=ppt/notesSlides/notesSlide3.xml><?xml version="1.0" encoding="utf-8"?>
+<p:notes xmlns:a="http://schemas.openxmlformats.org/drawingml/2006/main" xmlns:r="http://schemas.openxmlformats.org/officeDocument/2006/relationships" xmlns:p="http://schemas.openxmlformats.org/presentationml/2006/main">
+  <p:cSld>
+    <p:spTree>
+      <p:nvGrpSpPr>
+        <p:cNvPr id="1" name=""/>
+        <p:cNvGrpSpPr/>
+        <p:nvPr/>
+      </p:nvGrpSpPr>
+      <p:grpSpPr>
+        <a:xfrm>
+          <a:off x="0" y="0"/>
+          <a:ext cx="0" cy="0"/>
+          <a:chOff x="0" y="0"/>
+          <a:chExt cx="0" cy="0"/>
+        </a:xfrm>
+      </p:grpSpPr>
+      <p:sp>
+        <p:nvSpPr>
+          <p:cNvPr id="2" name="Slide Image Placeholder 1"/>
+          <p:cNvSpPr>
+            <a:spLocks noGrp="1" noRot="1" noChangeAspect="1"/>
+          </p:cNvSpPr>
+          <p:nvPr>
+            <p:ph type="sldImg"/>
+          </p:nvPr>
+        </p:nvSpPr>
+        <p:spPr/>
+      </p:sp>
+      <p:sp>
+        <p:nvSpPr>
+          <p:cNvPr id="3" name="Notes Placeholder 2"/>
+          <p:cNvSpPr>
+            <a:spLocks noGrp="1"/>
+          </p:cNvSpPr>
+          <p:nvPr>
+            <p:ph type="body" idx="1"/>
+          </p:nvPr>
+        </p:nvSpPr>
+        <p:spPr/>
+        <p:txBody>
+          <a:bodyPr/>
+          <a:lstStyle/>
+          <a:p>
+            <a:endParaRPr lang="en-BE" dirty="0"/>
+          </a:p>
+        </p:txBody>
+      </p:sp>
+      <p:sp>
+        <p:nvSpPr>
+          <p:cNvPr id="4" name="Slide Number Placeholder 3"/>
+          <p:cNvSpPr>
+            <a:spLocks noGrp="1"/>
+          </p:cNvSpPr>
+          <p:nvPr>
+            <p:ph type="sldNum" sz="quarter" idx="5"/>
+          </p:nvPr>
+        </p:nvSpPr>
+        <p:spPr/>
+        <p:txBody>
+          <a:bodyPr/>
+          <a:lstStyle/>
+          <a:p>
+            <a:fld id="{6002F6D3-5FFE-44E4-BE5E-A533302D1960}" type="slidenum">
+              <a:rPr lang="en-BE" smtClean="0"/>
+              <a:t>17</a:t>
+            </a:fld>
+            <a:endParaRPr lang="en-BE"/>
+          </a:p>
+        </p:txBody>
+      </p:sp>
+    </p:spTree>
+    <p:extLst>
+      <p:ext uri="{BB962C8B-B14F-4D97-AF65-F5344CB8AC3E}">
+        <p14:creationId xmlns:p14="http://schemas.microsoft.com/office/powerpoint/2010/main" val="2368602476"/>
       </p:ext>
     </p:extLst>
   </p:cSld>
@@ -1130,7 +1288,7 @@
             <a:fld id="{B61BEF0D-F0BB-DE4B-95CE-6DB70DBA9567}" type="datetimeFigureOut">
               <a:rPr lang="en-US" dirty="0"/>
               <a:pPr/>
-              <a:t>11/10/2020</a:t>
+              <a:t>11/16/2020</a:t>
             </a:fld>
             <a:endParaRPr lang="en-US" dirty="0"/>
           </a:p>
@@ -1461,7 +1619,7 @@
             <a:fld id="{B61BEF0D-F0BB-DE4B-95CE-6DB70DBA9567}" type="datetimeFigureOut">
               <a:rPr lang="en-US" dirty="0"/>
               <a:pPr/>
-              <a:t>11/10/2020</a:t>
+              <a:t>11/16/2020</a:t>
             </a:fld>
             <a:endParaRPr lang="en-US" dirty="0"/>
           </a:p>
@@ -1736,7 +1894,7 @@
             <a:fld id="{B61BEF0D-F0BB-DE4B-95CE-6DB70DBA9567}" type="datetimeFigureOut">
               <a:rPr lang="en-US" dirty="0"/>
               <a:pPr/>
-              <a:t>11/10/2020</a:t>
+              <a:t>11/16/2020</a:t>
             </a:fld>
             <a:endParaRPr lang="en-US" dirty="0"/>
           </a:p>
@@ -2301,7 +2459,7 @@
             <a:fld id="{B61BEF0D-F0BB-DE4B-95CE-6DB70DBA9567}" type="datetimeFigureOut">
               <a:rPr lang="en-US" dirty="0"/>
               <a:pPr/>
-              <a:t>11/10/2020</a:t>
+              <a:t>11/16/2020</a:t>
             </a:fld>
             <a:endParaRPr lang="en-US" dirty="0"/>
           </a:p>
@@ -2576,7 +2734,7 @@
             <a:fld id="{B61BEF0D-F0BB-DE4B-95CE-6DB70DBA9567}" type="datetimeFigureOut">
               <a:rPr lang="en-US" dirty="0"/>
               <a:pPr/>
-              <a:t>11/10/2020</a:t>
+              <a:t>11/16/2020</a:t>
             </a:fld>
             <a:endParaRPr lang="en-US" dirty="0"/>
           </a:p>
@@ -3135,7 +3293,7 @@
             <a:fld id="{B61BEF0D-F0BB-DE4B-95CE-6DB70DBA9567}" type="datetimeFigureOut">
               <a:rPr lang="en-US" dirty="0"/>
               <a:pPr/>
-              <a:t>11/10/2020</a:t>
+              <a:t>11/16/2020</a:t>
             </a:fld>
             <a:endParaRPr lang="en-US" dirty="0"/>
           </a:p>
@@ -3459,7 +3617,7 @@
             <a:fld id="{B61BEF0D-F0BB-DE4B-95CE-6DB70DBA9567}" type="datetimeFigureOut">
               <a:rPr lang="en-US" dirty="0"/>
               <a:pPr/>
-              <a:t>11/10/2020</a:t>
+              <a:t>11/16/2020</a:t>
             </a:fld>
             <a:endParaRPr lang="en-US" dirty="0"/>
           </a:p>
@@ -3633,7 +3791,7 @@
             <a:fld id="{B61BEF0D-F0BB-DE4B-95CE-6DB70DBA9567}" type="datetimeFigureOut">
               <a:rPr lang="en-US" dirty="0"/>
               <a:pPr/>
-              <a:t>11/10/2020</a:t>
+              <a:t>11/16/2020</a:t>
             </a:fld>
             <a:endParaRPr lang="en-US" dirty="0"/>
           </a:p>
@@ -3868,7 +4026,7 @@
             <a:fld id="{B61BEF0D-F0BB-DE4B-95CE-6DB70DBA9567}" type="datetimeFigureOut">
               <a:rPr lang="en-US" dirty="0"/>
               <a:pPr/>
-              <a:t>11/10/2020</a:t>
+              <a:t>11/16/2020</a:t>
             </a:fld>
             <a:endParaRPr lang="en-US" dirty="0"/>
           </a:p>
@@ -4065,7 +4223,7 @@
             <a:fld id="{B61BEF0D-F0BB-DE4B-95CE-6DB70DBA9567}" type="datetimeFigureOut">
               <a:rPr lang="en-US" dirty="0"/>
               <a:pPr/>
-              <a:t>11/10/2020</a:t>
+              <a:t>11/16/2020</a:t>
             </a:fld>
             <a:endParaRPr lang="en-US" dirty="0"/>
           </a:p>
@@ -4338,7 +4496,7 @@
             <a:fld id="{B61BEF0D-F0BB-DE4B-95CE-6DB70DBA9567}" type="datetimeFigureOut">
               <a:rPr lang="en-US" dirty="0"/>
               <a:pPr/>
-              <a:t>11/10/2020</a:t>
+              <a:t>11/16/2020</a:t>
             </a:fld>
             <a:endParaRPr lang="en-US" dirty="0"/>
           </a:p>
@@ -4601,7 +4759,7 @@
             <a:fld id="{B61BEF0D-F0BB-DE4B-95CE-6DB70DBA9567}" type="datetimeFigureOut">
               <a:rPr lang="en-US" dirty="0"/>
               <a:pPr/>
-              <a:t>11/10/2020</a:t>
+              <a:t>11/16/2020</a:t>
             </a:fld>
             <a:endParaRPr lang="en-US" dirty="0"/>
           </a:p>
@@ -4972,7 +5130,7 @@
             <a:fld id="{B61BEF0D-F0BB-DE4B-95CE-6DB70DBA9567}" type="datetimeFigureOut">
               <a:rPr lang="en-US" dirty="0"/>
               <a:pPr/>
-              <a:t>11/10/2020</a:t>
+              <a:t>11/16/2020</a:t>
             </a:fld>
             <a:endParaRPr lang="en-US" dirty="0"/>
           </a:p>
@@ -5117,7 +5275,7 @@
             <a:fld id="{B61BEF0D-F0BB-DE4B-95CE-6DB70DBA9567}" type="datetimeFigureOut">
               <a:rPr lang="en-US" dirty="0"/>
               <a:pPr/>
-              <a:t>11/10/2020</a:t>
+              <a:t>11/16/2020</a:t>
             </a:fld>
             <a:endParaRPr lang="en-US" dirty="0"/>
           </a:p>
@@ -5239,7 +5397,7 @@
             <a:fld id="{B61BEF0D-F0BB-DE4B-95CE-6DB70DBA9567}" type="datetimeFigureOut">
               <a:rPr lang="en-US" dirty="0"/>
               <a:pPr/>
-              <a:t>11/10/2020</a:t>
+              <a:t>11/16/2020</a:t>
             </a:fld>
             <a:endParaRPr lang="en-US" dirty="0"/>
           </a:p>
@@ -5521,7 +5679,7 @@
             <a:fld id="{B61BEF0D-F0BB-DE4B-95CE-6DB70DBA9567}" type="datetimeFigureOut">
               <a:rPr lang="en-US" dirty="0"/>
               <a:pPr/>
-              <a:t>11/10/2020</a:t>
+              <a:t>11/16/2020</a:t>
             </a:fld>
             <a:endParaRPr lang="en-US" dirty="0"/>
           </a:p>
@@ -5842,7 +6000,7 @@
             <a:fld id="{B61BEF0D-F0BB-DE4B-95CE-6DB70DBA9567}" type="datetimeFigureOut">
               <a:rPr lang="en-US" dirty="0"/>
               <a:pPr/>
-              <a:t>11/10/2020</a:t>
+              <a:t>11/16/2020</a:t>
             </a:fld>
             <a:endParaRPr lang="en-US" dirty="0"/>
           </a:p>
@@ -6053,7 +6211,7 @@
             <a:fld id="{B61BEF0D-F0BB-DE4B-95CE-6DB70DBA9567}" type="datetimeFigureOut">
               <a:rPr lang="en-US" dirty="0"/>
               <a:pPr/>
-              <a:t>11/10/2020</a:t>
+              <a:t>11/16/2020</a:t>
             </a:fld>
             <a:endParaRPr lang="en-US" dirty="0"/>
           </a:p>
@@ -6590,7 +6748,20 @@
                 <a:effectLst/>
                 <a:latin typeface="inherit"/>
               </a:rPr>
-              <a:t>AKS et App Gateway: le combo idéal</a:t>
+              <a:t>AKS et App Gateway: </a:t>
+            </a:r>
+            <a:br>
+              <a:rPr lang="en-BE" b="1" i="0" dirty="0">
+                <a:effectLst/>
+                <a:latin typeface="inherit"/>
+              </a:rPr>
+            </a:br>
+            <a:r>
+              <a:rPr lang="fr-FR" b="1" i="0" dirty="0">
+                <a:effectLst/>
+                <a:latin typeface="inherit"/>
+              </a:rPr>
+              <a:t>le combo idéal</a:t>
             </a:r>
             <a:br>
               <a:rPr lang="fr-FR" b="1" i="0" dirty="0">
@@ -6751,31 +6922,6 @@
           </a:p>
         </p:txBody>
       </p:sp>
-      <p:sp>
-        <p:nvSpPr>
-          <p:cNvPr id="5" name="Text Placeholder 4">
-            <a:extLst>
-              <a:ext uri="{FF2B5EF4-FFF2-40B4-BE49-F238E27FC236}">
-                <a16:creationId xmlns:a16="http://schemas.microsoft.com/office/drawing/2014/main" id="{191A3923-6BB9-4CEF-A682-360BE6D84BA8}"/>
-              </a:ext>
-            </a:extLst>
-          </p:cNvPr>
-          <p:cNvSpPr>
-            <a:spLocks noGrp="1"/>
-          </p:cNvSpPr>
-          <p:nvPr>
-            <p:ph type="body" idx="1"/>
-          </p:nvPr>
-        </p:nvSpPr>
-        <p:spPr/>
-        <p:txBody>
-          <a:bodyPr/>
-          <a:lstStyle/>
-          <a:p>
-            <a:endParaRPr lang="en-BE"/>
-          </a:p>
-        </p:txBody>
-      </p:sp>
     </p:spTree>
     <p:extLst>
       <p:ext uri="{BB962C8B-B14F-4D97-AF65-F5344CB8AC3E}">
@@ -6919,18 +7065,12 @@
           </a:p>
           <a:p>
             <a:r>
-              <a:rPr lang="en-BE" dirty="0"/>
-              <a:t>Multi-Site</a:t>
-            </a:r>
-          </a:p>
-          <a:p>
-            <a:r>
               <a:rPr lang="en-BE" dirty="0" err="1"/>
               <a:t>Intégration</a:t>
             </a:r>
             <a:r>
               <a:rPr lang="en-BE" dirty="0"/>
-              <a:t> dans le code</a:t>
+              <a:t> dans le YAML via annotation</a:t>
             </a:r>
           </a:p>
           <a:p>
@@ -7684,31 +7824,6 @@
           </a:p>
         </p:txBody>
       </p:sp>
-      <p:sp>
-        <p:nvSpPr>
-          <p:cNvPr id="5" name="Text Placeholder 4">
-            <a:extLst>
-              <a:ext uri="{FF2B5EF4-FFF2-40B4-BE49-F238E27FC236}">
-                <a16:creationId xmlns:a16="http://schemas.microsoft.com/office/drawing/2014/main" id="{191A3923-6BB9-4CEF-A682-360BE6D84BA8}"/>
-              </a:ext>
-            </a:extLst>
-          </p:cNvPr>
-          <p:cNvSpPr>
-            <a:spLocks noGrp="1"/>
-          </p:cNvSpPr>
-          <p:nvPr>
-            <p:ph type="body" idx="1"/>
-          </p:nvPr>
-        </p:nvSpPr>
-        <p:spPr/>
-        <p:txBody>
-          <a:bodyPr/>
-          <a:lstStyle/>
-          <a:p>
-            <a:endParaRPr lang="en-BE"/>
-          </a:p>
-        </p:txBody>
-      </p:sp>
     </p:spTree>
     <p:extLst>
       <p:ext uri="{BB962C8B-B14F-4D97-AF65-F5344CB8AC3E}">
@@ -7886,7 +8001,7 @@
             </a:r>
             <a:r>
               <a:rPr lang="en-BE" dirty="0"/>
-              <a:t> dans le code</a:t>
+              <a:t> dans le YAML, avec annotation</a:t>
             </a:r>
           </a:p>
           <a:p>
@@ -8983,6 +9098,184 @@
 </p:sld>
 </file>
 
+<file path=ppt/slides/slide17.xml><?xml version="1.0" encoding="utf-8"?>
+<p:sld xmlns:a="http://schemas.openxmlformats.org/drawingml/2006/main" xmlns:r="http://schemas.openxmlformats.org/officeDocument/2006/relationships" xmlns:p="http://schemas.openxmlformats.org/presentationml/2006/main">
+  <p:cSld>
+    <p:spTree>
+      <p:nvGrpSpPr>
+        <p:cNvPr id="1" name=""/>
+        <p:cNvGrpSpPr/>
+        <p:nvPr/>
+      </p:nvGrpSpPr>
+      <p:grpSpPr>
+        <a:xfrm>
+          <a:off x="0" y="0"/>
+          <a:ext cx="0" cy="0"/>
+          <a:chOff x="0" y="0"/>
+          <a:chExt cx="0" cy="0"/>
+        </a:xfrm>
+      </p:grpSpPr>
+      <p:sp>
+        <p:nvSpPr>
+          <p:cNvPr id="4" name="Title 3">
+            <a:extLst>
+              <a:ext uri="{FF2B5EF4-FFF2-40B4-BE49-F238E27FC236}">
+                <a16:creationId xmlns:a16="http://schemas.microsoft.com/office/drawing/2014/main" id="{C74E1E6D-C5C1-476A-80DF-ED4A8D5FCDCE}"/>
+              </a:ext>
+            </a:extLst>
+          </p:cNvPr>
+          <p:cNvSpPr>
+            <a:spLocks noGrp="1"/>
+          </p:cNvSpPr>
+          <p:nvPr>
+            <p:ph type="title"/>
+          </p:nvPr>
+        </p:nvSpPr>
+        <p:spPr>
+          <a:xfrm>
+            <a:off x="929641" y="2611896"/>
+            <a:ext cx="10661468" cy="1468800"/>
+          </a:xfrm>
+        </p:spPr>
+        <p:txBody>
+          <a:bodyPr>
+            <a:normAutofit/>
+          </a:bodyPr>
+          <a:lstStyle/>
+          <a:p>
+            <a:r>
+              <a:rPr lang="en-BE" dirty="0"/>
+              <a:t>SOURCES</a:t>
+            </a:r>
+          </a:p>
+        </p:txBody>
+      </p:sp>
+      <p:sp>
+        <p:nvSpPr>
+          <p:cNvPr id="5" name="Title 3">
+            <a:extLst>
+              <a:ext uri="{FF2B5EF4-FFF2-40B4-BE49-F238E27FC236}">
+                <a16:creationId xmlns:a16="http://schemas.microsoft.com/office/drawing/2014/main" id="{22079259-047F-4B6D-AAAE-77CC82BBFF5D}"/>
+              </a:ext>
+            </a:extLst>
+          </p:cNvPr>
+          <p:cNvSpPr txBox="1">
+            <a:spLocks/>
+          </p:cNvSpPr>
+          <p:nvPr/>
+        </p:nvSpPr>
+        <p:spPr>
+          <a:xfrm>
+            <a:off x="765266" y="4206240"/>
+            <a:ext cx="10661468" cy="540662"/>
+          </a:xfrm>
+          <a:prstGeom prst="rect">
+            <a:avLst/>
+          </a:prstGeom>
+          <a:effectLst/>
+        </p:spPr>
+        <p:txBody>
+          <a:bodyPr vert="horz" lIns="91440" tIns="45720" rIns="91440" bIns="45720" rtlCol="0" anchor="b">
+            <a:normAutofit/>
+          </a:bodyPr>
+          <a:lstStyle>
+            <a:lvl1pPr algn="l" defTabSz="457200" rtl="0" eaLnBrk="1" latinLnBrk="0" hangingPunct="1">
+              <a:spcBef>
+                <a:spcPct val="0"/>
+              </a:spcBef>
+              <a:buNone/>
+              <a:defRPr sz="4000" b="0" kern="1200" cap="all">
+                <a:ln w="3175" cmpd="sng">
+                  <a:noFill/>
+                </a:ln>
+                <a:solidFill>
+                  <a:schemeClr val="tx1"/>
+                </a:solidFill>
+                <a:effectLst/>
+                <a:latin typeface="+mj-lt"/>
+                <a:ea typeface="+mj-ea"/>
+                <a:cs typeface="+mj-cs"/>
+              </a:defRPr>
+            </a:lvl1pPr>
+            <a:lvl2pPr eaLnBrk="1" hangingPunct="1">
+              <a:defRPr>
+                <a:solidFill>
+                  <a:schemeClr val="tx2"/>
+                </a:solidFill>
+              </a:defRPr>
+            </a:lvl2pPr>
+            <a:lvl3pPr eaLnBrk="1" hangingPunct="1">
+              <a:defRPr>
+                <a:solidFill>
+                  <a:schemeClr val="tx2"/>
+                </a:solidFill>
+              </a:defRPr>
+            </a:lvl3pPr>
+            <a:lvl4pPr eaLnBrk="1" hangingPunct="1">
+              <a:defRPr>
+                <a:solidFill>
+                  <a:schemeClr val="tx2"/>
+                </a:solidFill>
+              </a:defRPr>
+            </a:lvl4pPr>
+            <a:lvl5pPr eaLnBrk="1" hangingPunct="1">
+              <a:defRPr>
+                <a:solidFill>
+                  <a:schemeClr val="tx2"/>
+                </a:solidFill>
+              </a:defRPr>
+            </a:lvl5pPr>
+            <a:lvl6pPr eaLnBrk="1" hangingPunct="1">
+              <a:defRPr>
+                <a:solidFill>
+                  <a:schemeClr val="tx2"/>
+                </a:solidFill>
+              </a:defRPr>
+            </a:lvl6pPr>
+            <a:lvl7pPr eaLnBrk="1" hangingPunct="1">
+              <a:defRPr>
+                <a:solidFill>
+                  <a:schemeClr val="tx2"/>
+                </a:solidFill>
+              </a:defRPr>
+            </a:lvl7pPr>
+            <a:lvl8pPr eaLnBrk="1" hangingPunct="1">
+              <a:defRPr>
+                <a:solidFill>
+                  <a:schemeClr val="tx2"/>
+                </a:solidFill>
+              </a:defRPr>
+            </a:lvl8pPr>
+            <a:lvl9pPr eaLnBrk="1" hangingPunct="1">
+              <a:defRPr>
+                <a:solidFill>
+                  <a:schemeClr val="tx2"/>
+                </a:solidFill>
+              </a:defRPr>
+            </a:lvl9pPr>
+          </a:lstStyle>
+          <a:p>
+            <a:r>
+              <a:rPr lang="en-US" sz="2400" dirty="0"/>
+              <a:t>https://github.com/Flodu31/Presentations/tree/master/DevDay_17112020</a:t>
+            </a:r>
+            <a:endParaRPr lang="en-BE" sz="2400" dirty="0"/>
+          </a:p>
+        </p:txBody>
+      </p:sp>
+    </p:spTree>
+    <p:extLst>
+      <p:ext uri="{BB962C8B-B14F-4D97-AF65-F5344CB8AC3E}">
+        <p14:creationId xmlns:p14="http://schemas.microsoft.com/office/powerpoint/2010/main" val="4145904873"/>
+      </p:ext>
+    </p:extLst>
+  </p:cSld>
+  <p:clrMapOvr>
+    <a:masterClrMapping/>
+  </p:clrMapOvr>
+</p:sld>
+</file>
+
 <file path=ppt/slides/slide2.xml><?xml version="1.0" encoding="utf-8"?>
 <p:sld xmlns:a="http://schemas.openxmlformats.org/drawingml/2006/main" xmlns:r="http://schemas.openxmlformats.org/officeDocument/2006/relationships" xmlns:p="http://schemas.openxmlformats.org/presentationml/2006/main">
   <p:cSld>
@@ -9050,6 +9343,13 @@
           <a:lstStyle/>
           <a:p>
             <a:r>
+              <a:rPr lang="en-BE" dirty="0" err="1"/>
+              <a:t>Présentation</a:t>
+            </a:r>
+            <a:endParaRPr lang="en-BE" dirty="0"/>
+          </a:p>
+          <a:p>
+            <a:r>
               <a:rPr lang="en-BE" dirty="0"/>
               <a:t>Azure Kubernetes Services</a:t>
             </a:r>
@@ -9072,8 +9372,44 @@
               <a:t>Let’s Encrypt</a:t>
             </a:r>
           </a:p>
-        </p:txBody>
-      </p:sp>
+          <a:p>
+            <a:r>
+              <a:rPr lang="en-BE" dirty="0"/>
+              <a:t>Questions</a:t>
+            </a:r>
+          </a:p>
+        </p:txBody>
+      </p:sp>
+      <p:pic>
+        <p:nvPicPr>
+          <p:cNvPr id="5" name="Picture 4">
+            <a:extLst>
+              <a:ext uri="{FF2B5EF4-FFF2-40B4-BE49-F238E27FC236}">
+                <a16:creationId xmlns:a16="http://schemas.microsoft.com/office/drawing/2014/main" id="{1C92A4C3-6ABA-4785-9419-4D5E12B3517D}"/>
+              </a:ext>
+            </a:extLst>
+          </p:cNvPr>
+          <p:cNvPicPr>
+            <a:picLocks noChangeAspect="1"/>
+          </p:cNvPicPr>
+          <p:nvPr/>
+        </p:nvPicPr>
+        <p:blipFill>
+          <a:blip r:embed="rId2"/>
+          <a:stretch>
+            <a:fillRect/>
+          </a:stretch>
+        </p:blipFill>
+        <p:spPr>
+          <a:xfrm>
+            <a:off x="6887695" y="1689463"/>
+            <a:ext cx="3929531" cy="3929531"/>
+          </a:xfrm>
+          <a:prstGeom prst="rect">
+            <a:avLst/>
+          </a:prstGeom>
+        </p:spPr>
+      </p:pic>
     </p:spTree>
     <p:extLst>
       <p:ext uri="{BB962C8B-B14F-4D97-AF65-F5344CB8AC3E}">
@@ -9195,8 +9531,8 @@
         </p:nvSpPr>
         <p:spPr>
           <a:xfrm>
-            <a:off x="4955458" y="2251587"/>
-            <a:ext cx="6593075" cy="3972232"/>
+            <a:off x="4966734" y="1969918"/>
+            <a:ext cx="7044953" cy="3972232"/>
           </a:xfrm>
         </p:spPr>
         <p:txBody>
@@ -9213,6 +9549,30 @@
           <a:p>
             <a:r>
               <a:rPr lang="en-BE" dirty="0"/>
+              <a:t>Cloud Architect</a:t>
+            </a:r>
+          </a:p>
+          <a:p>
+            <a:r>
+              <a:rPr lang="en-US" dirty="0">
+                <a:hlinkClick r:id="rId4"/>
+              </a:rPr>
+              <a:t>F</a:t>
+            </a:r>
+            <a:r>
+              <a:rPr lang="en-BE" dirty="0">
+                <a:hlinkClick r:id="rId4"/>
+              </a:rPr>
+              <a:t>lorent@falaconsulting.be</a:t>
+            </a:r>
+            <a:r>
+              <a:rPr lang="en-BE" dirty="0"/>
+              <a:t> </a:t>
+            </a:r>
+          </a:p>
+          <a:p>
+            <a:r>
+              <a:rPr lang="en-BE" dirty="0"/>
               <a:t>Belgique</a:t>
             </a:r>
           </a:p>
@@ -9243,7 +9603,7 @@
           <a:p>
             <a:r>
               <a:rPr lang="en-BE" dirty="0">
-                <a:hlinkClick r:id="rId4"/>
+                <a:hlinkClick r:id="rId5"/>
               </a:rPr>
               <a:t>https://cloudyjourney.fr</a:t>
             </a:r>
@@ -9272,7 +9632,7 @@
           <p:nvPr/>
         </p:nvPicPr>
         <p:blipFill>
-          <a:blip r:embed="rId5">
+          <a:blip r:embed="rId6">
             <a:extLst>
               <a:ext uri="{28A0092B-C50C-407E-A947-70E740481C1C}">
                 <a14:useLocalDpi xmlns:a14="http://schemas.microsoft.com/office/drawing/2010/main" val="0"/>
@@ -9319,7 +9679,7 @@
           <p:nvPr/>
         </p:nvPicPr>
         <p:blipFill>
-          <a:blip r:embed="rId6">
+          <a:blip r:embed="rId7">
             <a:extLst>
               <a:ext uri="{28A0092B-C50C-407E-A947-70E740481C1C}">
                 <a14:useLocalDpi xmlns:a14="http://schemas.microsoft.com/office/drawing/2010/main" val="0"/>
@@ -9333,8 +9693,8 @@
         </p:blipFill>
         <p:spPr bwMode="auto">
           <a:xfrm>
-            <a:off x="8543877" y="4927692"/>
-            <a:ext cx="3324106" cy="1690824"/>
+            <a:off x="8961889" y="5126562"/>
+            <a:ext cx="2881769" cy="1465827"/>
           </a:xfrm>
           <a:prstGeom prst="rect">
             <a:avLst/>
@@ -9409,31 +9769,6 @@
           </a:p>
         </p:txBody>
       </p:sp>
-      <p:sp>
-        <p:nvSpPr>
-          <p:cNvPr id="5" name="Text Placeholder 4">
-            <a:extLst>
-              <a:ext uri="{FF2B5EF4-FFF2-40B4-BE49-F238E27FC236}">
-                <a16:creationId xmlns:a16="http://schemas.microsoft.com/office/drawing/2014/main" id="{191A3923-6BB9-4CEF-A682-360BE6D84BA8}"/>
-              </a:ext>
-            </a:extLst>
-          </p:cNvPr>
-          <p:cNvSpPr>
-            <a:spLocks noGrp="1"/>
-          </p:cNvSpPr>
-          <p:nvPr>
-            <p:ph type="body" idx="1"/>
-          </p:nvPr>
-        </p:nvSpPr>
-        <p:spPr/>
-        <p:txBody>
-          <a:bodyPr/>
-          <a:lstStyle/>
-          <a:p>
-            <a:endParaRPr lang="en-BE"/>
-          </a:p>
-        </p:txBody>
-      </p:sp>
     </p:spTree>
     <p:extLst>
       <p:ext uri="{BB962C8B-B14F-4D97-AF65-F5344CB8AC3E}">
@@ -9511,7 +9846,7 @@
         <p:spPr>
           <a:xfrm>
             <a:off x="685800" y="2142067"/>
-            <a:ext cx="10617925" cy="3649133"/>
+            <a:ext cx="10617925" cy="4241316"/>
           </a:xfrm>
         </p:spPr>
         <p:txBody>
@@ -9608,6 +9943,20 @@
             <a:r>
               <a:rPr lang="en-BE" dirty="0"/>
               <a:t> les releases de Microsoft</a:t>
+            </a:r>
+          </a:p>
+          <a:p>
+            <a:r>
+              <a:rPr lang="en-BE" dirty="0"/>
+              <a:t>Patching </a:t>
+            </a:r>
+            <a:r>
+              <a:rPr lang="en-BE" dirty="0" err="1"/>
+              <a:t>automatique</a:t>
+            </a:r>
+            <a:r>
+              <a:rPr lang="en-BE" dirty="0"/>
+              <a:t> des nodes possible</a:t>
             </a:r>
           </a:p>
           <a:p>
@@ -9665,7 +10014,7 @@
           <p:nvPr/>
         </p:nvPicPr>
         <p:blipFill>
-          <a:blip r:embed="rId2">
+          <a:blip r:embed="rId3">
             <a:extLst>
               <a:ext uri="{28A0092B-C50C-407E-A947-70E740481C1C}">
                 <a14:useLocalDpi xmlns:a14="http://schemas.microsoft.com/office/drawing/2010/main" val="0"/>
@@ -9949,12 +10298,6 @@
               <a:t>seulement</a:t>
             </a:r>
             <a:endParaRPr lang="en-BE" dirty="0"/>
-          </a:p>
-          <a:p>
-            <a:r>
-              <a:rPr lang="en-BE" dirty="0"/>
-              <a:t>Multi site</a:t>
-            </a:r>
           </a:p>
           <a:p>
             <a:r>
